--- a/tutoGit.pptx
+++ b/tutoGit.pptx
@@ -11,6 +11,14 @@
     <p:sldId id="259" r:id="rId5"/>
     <p:sldId id="260" r:id="rId6"/>
     <p:sldId id="261" r:id="rId7"/>
+    <p:sldId id="262" r:id="rId8"/>
+    <p:sldId id="263" r:id="rId9"/>
+    <p:sldId id="264" r:id="rId10"/>
+    <p:sldId id="265" r:id="rId11"/>
+    <p:sldId id="266" r:id="rId12"/>
+    <p:sldId id="267" r:id="rId13"/>
+    <p:sldId id="268" r:id="rId14"/>
+    <p:sldId id="269" r:id="rId15"/>
   </p:sldIdLst>
   <p:sldSz cx="12192000" cy="6858000"/>
   <p:notesSz cx="6858000" cy="9144000"/>
@@ -109,6 +117,11 @@
       </a:defRPr>
     </a:lvl9pPr>
   </p:defaultTextStyle>
+  <p:extLst>
+    <p:ext uri="{EFAFB233-063F-42B5-8137-9DF3F51BA10A}">
+      <p15:sldGuideLst xmlns:p15="http://schemas.microsoft.com/office/powerpoint/2012/main"/>
+    </p:ext>
+  </p:extLst>
 </p:presentation>
 </file>
 
@@ -4092,6 +4105,1358 @@
 </p:sld>
 </file>
 
+<file path=ppt/slides/slide10.xml><?xml version="1.0" encoding="utf-8"?>
+<p:sld xmlns:a="http://schemas.openxmlformats.org/drawingml/2006/main" xmlns:r="http://schemas.openxmlformats.org/officeDocument/2006/relationships" xmlns:p="http://schemas.openxmlformats.org/presentationml/2006/main">
+  <p:cSld>
+    <p:spTree>
+      <p:nvGrpSpPr>
+        <p:cNvPr id="1" name=""/>
+        <p:cNvGrpSpPr/>
+        <p:nvPr/>
+      </p:nvGrpSpPr>
+      <p:grpSpPr>
+        <a:xfrm>
+          <a:off x="0" y="0"/>
+          <a:ext cx="0" cy="0"/>
+          <a:chOff x="0" y="0"/>
+          <a:chExt cx="0" cy="0"/>
+        </a:xfrm>
+      </p:grpSpPr>
+      <p:sp>
+        <p:nvSpPr>
+          <p:cNvPr id="3" name="Espace réservé du contenu 2"/>
+          <p:cNvSpPr>
+            <a:spLocks noGrp="1"/>
+          </p:cNvSpPr>
+          <p:nvPr>
+            <p:ph idx="1"/>
+          </p:nvPr>
+        </p:nvSpPr>
+        <p:spPr>
+          <a:xfrm>
+            <a:off x="920379" y="222269"/>
+            <a:ext cx="10058400" cy="4050792"/>
+          </a:xfrm>
+        </p:spPr>
+        <p:txBody>
+          <a:bodyPr/>
+          <a:lstStyle/>
+          <a:p>
+            <a:pPr marL="0" indent="0">
+              <a:buNone/>
+            </a:pPr>
+            <a:r>
+              <a:rPr lang="fr-FR" dirty="0" smtClean="0"/>
+              <a:t>Maintenant on va lier le git et le </a:t>
+            </a:r>
+            <a:r>
+              <a:rPr lang="fr-FR" dirty="0" err="1" smtClean="0"/>
+              <a:t>gitHub</a:t>
+            </a:r>
+            <a:r>
+              <a:rPr lang="fr-FR" dirty="0" smtClean="0"/>
+              <a:t> </a:t>
+            </a:r>
+            <a:r>
+              <a:rPr lang="fr-FR" dirty="0" err="1" smtClean="0"/>
+              <a:t>grace</a:t>
+            </a:r>
+            <a:r>
+              <a:rPr lang="fr-FR" dirty="0" smtClean="0"/>
+              <a:t> au commande inscrite dans le carré rouge </a:t>
+            </a:r>
+            <a:endParaRPr lang="fr-FR" dirty="0"/>
+          </a:p>
+        </p:txBody>
+      </p:sp>
+      <p:pic>
+        <p:nvPicPr>
+          <p:cNvPr id="5" name="Image 4"/>
+          <p:cNvPicPr>
+            <a:picLocks noChangeAspect="1"/>
+          </p:cNvPicPr>
+          <p:nvPr/>
+        </p:nvPicPr>
+        <p:blipFill>
+          <a:blip r:embed="rId2"/>
+          <a:stretch>
+            <a:fillRect/>
+          </a:stretch>
+        </p:blipFill>
+        <p:spPr>
+          <a:xfrm>
+            <a:off x="773722" y="1017684"/>
+            <a:ext cx="5705841" cy="3705617"/>
+          </a:xfrm>
+          <a:prstGeom prst="rect">
+            <a:avLst/>
+          </a:prstGeom>
+        </p:spPr>
+      </p:pic>
+      <p:pic>
+        <p:nvPicPr>
+          <p:cNvPr id="6" name="Image 5"/>
+          <p:cNvPicPr>
+            <a:picLocks noChangeAspect="1"/>
+          </p:cNvPicPr>
+          <p:nvPr/>
+        </p:nvPicPr>
+        <p:blipFill>
+          <a:blip r:embed="rId3"/>
+          <a:stretch>
+            <a:fillRect/>
+          </a:stretch>
+        </p:blipFill>
+        <p:spPr>
+          <a:xfrm>
+            <a:off x="6834174" y="1350352"/>
+            <a:ext cx="3954354" cy="2518263"/>
+          </a:xfrm>
+          <a:prstGeom prst="rect">
+            <a:avLst/>
+          </a:prstGeom>
+        </p:spPr>
+      </p:pic>
+    </p:spTree>
+    <p:extLst>
+      <p:ext uri="{BB962C8B-B14F-4D97-AF65-F5344CB8AC3E}">
+        <p14:creationId xmlns:p14="http://schemas.microsoft.com/office/powerpoint/2010/main" val="2886309072"/>
+      </p:ext>
+    </p:extLst>
+  </p:cSld>
+  <p:clrMapOvr>
+    <a:masterClrMapping/>
+  </p:clrMapOvr>
+</p:sld>
+</file>
+
+<file path=ppt/slides/slide11.xml><?xml version="1.0" encoding="utf-8"?>
+<p:sld xmlns:a="http://schemas.openxmlformats.org/drawingml/2006/main" xmlns:r="http://schemas.openxmlformats.org/officeDocument/2006/relationships" xmlns:p="http://schemas.openxmlformats.org/presentationml/2006/main">
+  <p:cSld>
+    <p:spTree>
+      <p:nvGrpSpPr>
+        <p:cNvPr id="1" name=""/>
+        <p:cNvGrpSpPr/>
+        <p:nvPr/>
+      </p:nvGrpSpPr>
+      <p:grpSpPr>
+        <a:xfrm>
+          <a:off x="0" y="0"/>
+          <a:ext cx="0" cy="0"/>
+          <a:chOff x="0" y="0"/>
+          <a:chExt cx="0" cy="0"/>
+        </a:xfrm>
+      </p:grpSpPr>
+      <p:sp>
+        <p:nvSpPr>
+          <p:cNvPr id="3" name="Espace réservé du contenu 2"/>
+          <p:cNvSpPr>
+            <a:spLocks noGrp="1"/>
+          </p:cNvSpPr>
+          <p:nvPr>
+            <p:ph idx="1"/>
+          </p:nvPr>
+        </p:nvSpPr>
+        <p:spPr>
+          <a:xfrm>
+            <a:off x="858833" y="371739"/>
+            <a:ext cx="10058400" cy="4050792"/>
+          </a:xfrm>
+        </p:spPr>
+        <p:txBody>
+          <a:bodyPr/>
+          <a:lstStyle/>
+          <a:p>
+            <a:pPr marL="0" indent="0">
+              <a:buNone/>
+            </a:pPr>
+            <a:r>
+              <a:rPr lang="fr-FR" dirty="0" smtClean="0"/>
+              <a:t>Il ne suffit plus que d’actualiser la page de </a:t>
+            </a:r>
+            <a:r>
+              <a:rPr lang="fr-FR" dirty="0" err="1" smtClean="0"/>
+              <a:t>gitHub</a:t>
+            </a:r>
+            <a:r>
+              <a:rPr lang="fr-FR" dirty="0" smtClean="0"/>
+              <a:t> pour pouvoir voir notre document</a:t>
+            </a:r>
+            <a:endParaRPr lang="fr-FR" dirty="0"/>
+          </a:p>
+        </p:txBody>
+      </p:sp>
+      <p:pic>
+        <p:nvPicPr>
+          <p:cNvPr id="4" name="Image 3"/>
+          <p:cNvPicPr>
+            <a:picLocks noChangeAspect="1"/>
+          </p:cNvPicPr>
+          <p:nvPr/>
+        </p:nvPicPr>
+        <p:blipFill>
+          <a:blip r:embed="rId2"/>
+          <a:stretch>
+            <a:fillRect/>
+          </a:stretch>
+        </p:blipFill>
+        <p:spPr>
+          <a:xfrm>
+            <a:off x="1515507" y="1521069"/>
+            <a:ext cx="7777898" cy="3392732"/>
+          </a:xfrm>
+          <a:prstGeom prst="rect">
+            <a:avLst/>
+          </a:prstGeom>
+        </p:spPr>
+      </p:pic>
+    </p:spTree>
+    <p:extLst>
+      <p:ext uri="{BB962C8B-B14F-4D97-AF65-F5344CB8AC3E}">
+        <p14:creationId xmlns:p14="http://schemas.microsoft.com/office/powerpoint/2010/main" val="2848991647"/>
+      </p:ext>
+    </p:extLst>
+  </p:cSld>
+  <p:clrMapOvr>
+    <a:masterClrMapping/>
+  </p:clrMapOvr>
+</p:sld>
+</file>
+
+<file path=ppt/slides/slide12.xml><?xml version="1.0" encoding="utf-8"?>
+<p:sld xmlns:a="http://schemas.openxmlformats.org/drawingml/2006/main" xmlns:r="http://schemas.openxmlformats.org/officeDocument/2006/relationships" xmlns:p="http://schemas.openxmlformats.org/presentationml/2006/main">
+  <p:cSld>
+    <p:spTree>
+      <p:nvGrpSpPr>
+        <p:cNvPr id="1" name=""/>
+        <p:cNvGrpSpPr/>
+        <p:nvPr/>
+      </p:nvGrpSpPr>
+      <p:grpSpPr>
+        <a:xfrm>
+          <a:off x="0" y="0"/>
+          <a:ext cx="0" cy="0"/>
+          <a:chOff x="0" y="0"/>
+          <a:chExt cx="0" cy="0"/>
+        </a:xfrm>
+      </p:grpSpPr>
+      <p:sp>
+        <p:nvSpPr>
+          <p:cNvPr id="3" name="Espace réservé du contenu 2"/>
+          <p:cNvSpPr>
+            <a:spLocks noGrp="1"/>
+          </p:cNvSpPr>
+          <p:nvPr>
+            <p:ph idx="1"/>
+          </p:nvPr>
+        </p:nvSpPr>
+        <p:spPr>
+          <a:xfrm>
+            <a:off x="1324824" y="503623"/>
+            <a:ext cx="8891838" cy="903147"/>
+          </a:xfrm>
+        </p:spPr>
+        <p:txBody>
+          <a:bodyPr>
+            <a:normAutofit fontScale="77500" lnSpcReduction="20000"/>
+          </a:bodyPr>
+          <a:lstStyle/>
+          <a:p>
+            <a:pPr marL="0" indent="0">
+              <a:buNone/>
+            </a:pPr>
+            <a:r>
+              <a:rPr lang="fr-FR" dirty="0" smtClean="0"/>
+              <a:t>On va a présent ajouter un document Excel a notre projet, on va commencer par créer une nouvelle branche pour ne pas modifier définitivement notre projet.</a:t>
+            </a:r>
+          </a:p>
+          <a:p>
+            <a:pPr marL="0" indent="0">
+              <a:buNone/>
+            </a:pPr>
+            <a:r>
+              <a:rPr lang="fr-FR" dirty="0" smtClean="0"/>
+              <a:t>Git </a:t>
+            </a:r>
+            <a:r>
+              <a:rPr lang="fr-FR" dirty="0" err="1" smtClean="0"/>
+              <a:t>branch</a:t>
+            </a:r>
+            <a:r>
+              <a:rPr lang="fr-FR" dirty="0" smtClean="0"/>
+              <a:t> </a:t>
+            </a:r>
+            <a:r>
+              <a:rPr lang="fr-FR" dirty="0" err="1" smtClean="0"/>
+              <a:t>nomDeLaBranche</a:t>
+            </a:r>
+            <a:endParaRPr lang="fr-FR" dirty="0" smtClean="0"/>
+          </a:p>
+          <a:p>
+            <a:pPr marL="0" indent="0">
+              <a:buNone/>
+            </a:pPr>
+            <a:endParaRPr lang="fr-FR" dirty="0" smtClean="0"/>
+          </a:p>
+          <a:p>
+            <a:endParaRPr lang="fr-FR" dirty="0"/>
+          </a:p>
+        </p:txBody>
+      </p:sp>
+      <p:pic>
+        <p:nvPicPr>
+          <p:cNvPr id="4" name="Image 3"/>
+          <p:cNvPicPr>
+            <a:picLocks noChangeAspect="1"/>
+          </p:cNvPicPr>
+          <p:nvPr/>
+        </p:nvPicPr>
+        <p:blipFill>
+          <a:blip r:embed="rId2"/>
+          <a:stretch>
+            <a:fillRect/>
+          </a:stretch>
+        </p:blipFill>
+        <p:spPr>
+          <a:xfrm>
+            <a:off x="1201731" y="1710836"/>
+            <a:ext cx="5534025" cy="3524250"/>
+          </a:xfrm>
+          <a:prstGeom prst="rect">
+            <a:avLst/>
+          </a:prstGeom>
+        </p:spPr>
+      </p:pic>
+      <p:sp>
+        <p:nvSpPr>
+          <p:cNvPr id="5" name="Espace réservé du contenu 2"/>
+          <p:cNvSpPr txBox="1">
+            <a:spLocks/>
+          </p:cNvSpPr>
+          <p:nvPr/>
+        </p:nvSpPr>
+        <p:spPr>
+          <a:xfrm>
+            <a:off x="7024205" y="2590331"/>
+            <a:ext cx="5167795" cy="1348623"/>
+          </a:xfrm>
+          <a:prstGeom prst="rect">
+            <a:avLst/>
+          </a:prstGeom>
+        </p:spPr>
+        <p:txBody>
+          <a:bodyPr vert="horz" lIns="91440" tIns="45720" rIns="91440" bIns="45720" rtlCol="0">
+            <a:normAutofit/>
+          </a:bodyPr>
+          <a:lstStyle>
+            <a:lvl1pPr marL="182880" indent="-182880" algn="l" defTabSz="914400" rtl="0" eaLnBrk="1" latinLnBrk="0" hangingPunct="1">
+              <a:lnSpc>
+                <a:spcPct val="90000"/>
+              </a:lnSpc>
+              <a:spcBef>
+                <a:spcPts val="1200"/>
+              </a:spcBef>
+              <a:buClr>
+                <a:schemeClr val="accent1">
+                  <a:lumMod val="75000"/>
+                </a:schemeClr>
+              </a:buClr>
+              <a:buSzPct val="85000"/>
+              <a:buFont typeface="Wingdings" pitchFamily="2" charset="2"/>
+              <a:buChar char="§"/>
+              <a:defRPr sz="2000" kern="1200">
+                <a:solidFill>
+                  <a:schemeClr val="tx1"/>
+                </a:solidFill>
+                <a:latin typeface="+mn-lt"/>
+                <a:ea typeface="+mn-ea"/>
+                <a:cs typeface="+mn-cs"/>
+              </a:defRPr>
+            </a:lvl1pPr>
+            <a:lvl2pPr marL="457200" indent="-182880" algn="l" defTabSz="914400" rtl="0" eaLnBrk="1" latinLnBrk="0" hangingPunct="1">
+              <a:lnSpc>
+                <a:spcPct val="90000"/>
+              </a:lnSpc>
+              <a:spcBef>
+                <a:spcPts val="400"/>
+              </a:spcBef>
+              <a:spcAft>
+                <a:spcPts val="200"/>
+              </a:spcAft>
+              <a:buClr>
+                <a:schemeClr val="accent1">
+                  <a:lumMod val="75000"/>
+                </a:schemeClr>
+              </a:buClr>
+              <a:buSzPct val="85000"/>
+              <a:buFont typeface="Wingdings" pitchFamily="2" charset="2"/>
+              <a:buChar char="§"/>
+              <a:defRPr sz="1800" kern="1200">
+                <a:solidFill>
+                  <a:schemeClr val="tx1"/>
+                </a:solidFill>
+                <a:latin typeface="+mn-lt"/>
+                <a:ea typeface="+mn-ea"/>
+                <a:cs typeface="+mn-cs"/>
+              </a:defRPr>
+            </a:lvl2pPr>
+            <a:lvl3pPr marL="731520" indent="-182880" algn="l" defTabSz="914400" rtl="0" eaLnBrk="1" latinLnBrk="0" hangingPunct="1">
+              <a:lnSpc>
+                <a:spcPct val="90000"/>
+              </a:lnSpc>
+              <a:spcBef>
+                <a:spcPts val="400"/>
+              </a:spcBef>
+              <a:spcAft>
+                <a:spcPts val="200"/>
+              </a:spcAft>
+              <a:buClr>
+                <a:schemeClr val="accent1">
+                  <a:lumMod val="75000"/>
+                </a:schemeClr>
+              </a:buClr>
+              <a:buSzPct val="85000"/>
+              <a:buFont typeface="Wingdings" pitchFamily="2" charset="2"/>
+              <a:buChar char="§"/>
+              <a:defRPr sz="1600" kern="1200">
+                <a:solidFill>
+                  <a:schemeClr val="tx1"/>
+                </a:solidFill>
+                <a:latin typeface="+mn-lt"/>
+                <a:ea typeface="+mn-ea"/>
+                <a:cs typeface="+mn-cs"/>
+              </a:defRPr>
+            </a:lvl3pPr>
+            <a:lvl4pPr marL="1005840" indent="-182880" algn="l" defTabSz="914400" rtl="0" eaLnBrk="1" latinLnBrk="0" hangingPunct="1">
+              <a:lnSpc>
+                <a:spcPct val="90000"/>
+              </a:lnSpc>
+              <a:spcBef>
+                <a:spcPts val="400"/>
+              </a:spcBef>
+              <a:spcAft>
+                <a:spcPts val="200"/>
+              </a:spcAft>
+              <a:buClr>
+                <a:schemeClr val="accent1">
+                  <a:lumMod val="75000"/>
+                </a:schemeClr>
+              </a:buClr>
+              <a:buSzPct val="85000"/>
+              <a:buFont typeface="Wingdings" pitchFamily="2" charset="2"/>
+              <a:buChar char="§"/>
+              <a:defRPr sz="1600" kern="1200">
+                <a:solidFill>
+                  <a:schemeClr val="tx1"/>
+                </a:solidFill>
+                <a:latin typeface="+mn-lt"/>
+                <a:ea typeface="+mn-ea"/>
+                <a:cs typeface="+mn-cs"/>
+              </a:defRPr>
+            </a:lvl4pPr>
+            <a:lvl5pPr marL="1280160" indent="-182880" algn="l" defTabSz="914400" rtl="0" eaLnBrk="1" latinLnBrk="0" hangingPunct="1">
+              <a:lnSpc>
+                <a:spcPct val="90000"/>
+              </a:lnSpc>
+              <a:spcBef>
+                <a:spcPts val="400"/>
+              </a:spcBef>
+              <a:spcAft>
+                <a:spcPts val="200"/>
+              </a:spcAft>
+              <a:buClr>
+                <a:schemeClr val="accent1">
+                  <a:lumMod val="75000"/>
+                </a:schemeClr>
+              </a:buClr>
+              <a:buSzPct val="85000"/>
+              <a:buFont typeface="Wingdings" pitchFamily="2" charset="2"/>
+              <a:buChar char="§"/>
+              <a:defRPr sz="1600" kern="1200">
+                <a:solidFill>
+                  <a:schemeClr val="tx1"/>
+                </a:solidFill>
+                <a:latin typeface="+mn-lt"/>
+                <a:ea typeface="+mn-ea"/>
+                <a:cs typeface="+mn-cs"/>
+              </a:defRPr>
+            </a:lvl5pPr>
+            <a:lvl6pPr marL="1600000" indent="-228600" algn="l" defTabSz="914400" rtl="0" eaLnBrk="1" latinLnBrk="0" hangingPunct="1">
+              <a:lnSpc>
+                <a:spcPct val="90000"/>
+              </a:lnSpc>
+              <a:spcBef>
+                <a:spcPts val="400"/>
+              </a:spcBef>
+              <a:spcAft>
+                <a:spcPts val="200"/>
+              </a:spcAft>
+              <a:buClr>
+                <a:schemeClr val="accent1">
+                  <a:lumMod val="75000"/>
+                </a:schemeClr>
+              </a:buClr>
+              <a:buSzPct val="85000"/>
+              <a:buFont typeface="Wingdings" pitchFamily="2" charset="2"/>
+              <a:buChar char="§"/>
+              <a:defRPr sz="1600" kern="1200">
+                <a:solidFill>
+                  <a:schemeClr val="tx1"/>
+                </a:solidFill>
+                <a:latin typeface="+mn-lt"/>
+                <a:ea typeface="+mn-ea"/>
+                <a:cs typeface="+mn-cs"/>
+              </a:defRPr>
+            </a:lvl6pPr>
+            <a:lvl7pPr marL="1900000" indent="-228600" algn="l" defTabSz="914400" rtl="0" eaLnBrk="1" latinLnBrk="0" hangingPunct="1">
+              <a:lnSpc>
+                <a:spcPct val="90000"/>
+              </a:lnSpc>
+              <a:spcBef>
+                <a:spcPts val="400"/>
+              </a:spcBef>
+              <a:spcAft>
+                <a:spcPts val="200"/>
+              </a:spcAft>
+              <a:buClr>
+                <a:schemeClr val="accent1">
+                  <a:lumMod val="75000"/>
+                </a:schemeClr>
+              </a:buClr>
+              <a:buSzPct val="85000"/>
+              <a:buFont typeface="Wingdings" pitchFamily="2" charset="2"/>
+              <a:buChar char="§"/>
+              <a:defRPr sz="1600" kern="1200">
+                <a:solidFill>
+                  <a:schemeClr val="tx1"/>
+                </a:solidFill>
+                <a:latin typeface="+mn-lt"/>
+                <a:ea typeface="+mn-ea"/>
+                <a:cs typeface="+mn-cs"/>
+              </a:defRPr>
+            </a:lvl7pPr>
+            <a:lvl8pPr marL="2200000" indent="-228600" algn="l" defTabSz="914400" rtl="0" eaLnBrk="1" latinLnBrk="0" hangingPunct="1">
+              <a:lnSpc>
+                <a:spcPct val="90000"/>
+              </a:lnSpc>
+              <a:spcBef>
+                <a:spcPts val="400"/>
+              </a:spcBef>
+              <a:spcAft>
+                <a:spcPts val="200"/>
+              </a:spcAft>
+              <a:buClr>
+                <a:schemeClr val="accent1">
+                  <a:lumMod val="75000"/>
+                </a:schemeClr>
+              </a:buClr>
+              <a:buSzPct val="85000"/>
+              <a:buFont typeface="Wingdings" pitchFamily="2" charset="2"/>
+              <a:buChar char="§"/>
+              <a:defRPr sz="1600" kern="1200">
+                <a:solidFill>
+                  <a:schemeClr val="tx1"/>
+                </a:solidFill>
+                <a:latin typeface="+mn-lt"/>
+                <a:ea typeface="+mn-ea"/>
+                <a:cs typeface="+mn-cs"/>
+              </a:defRPr>
+            </a:lvl8pPr>
+            <a:lvl9pPr marL="2500000" indent="-228600" algn="l" defTabSz="914400" rtl="0" eaLnBrk="1" latinLnBrk="0" hangingPunct="1">
+              <a:lnSpc>
+                <a:spcPct val="90000"/>
+              </a:lnSpc>
+              <a:spcBef>
+                <a:spcPts val="400"/>
+              </a:spcBef>
+              <a:spcAft>
+                <a:spcPts val="200"/>
+              </a:spcAft>
+              <a:buClr>
+                <a:schemeClr val="accent1">
+                  <a:lumMod val="75000"/>
+                </a:schemeClr>
+              </a:buClr>
+              <a:buSzPct val="85000"/>
+              <a:buFont typeface="Wingdings" pitchFamily="2" charset="2"/>
+              <a:buChar char="§"/>
+              <a:defRPr sz="1600" kern="1200">
+                <a:solidFill>
+                  <a:schemeClr val="tx1"/>
+                </a:solidFill>
+                <a:latin typeface="+mn-lt"/>
+                <a:ea typeface="+mn-ea"/>
+                <a:cs typeface="+mn-cs"/>
+              </a:defRPr>
+            </a:lvl9pPr>
+          </a:lstStyle>
+          <a:p>
+            <a:pPr marL="0" indent="0">
+              <a:buFont typeface="Wingdings" pitchFamily="2" charset="2"/>
+              <a:buNone/>
+            </a:pPr>
+            <a:r>
+              <a:rPr lang="fr-FR" dirty="0" smtClean="0"/>
+              <a:t>Une fois la nouvel branche créer on va la choisir avec la commande:</a:t>
+            </a:r>
+          </a:p>
+          <a:p>
+            <a:pPr marL="0" indent="0">
+              <a:buFont typeface="Wingdings" pitchFamily="2" charset="2"/>
+              <a:buNone/>
+            </a:pPr>
+            <a:r>
+              <a:rPr lang="fr-FR" dirty="0" smtClean="0"/>
+              <a:t>Git </a:t>
+            </a:r>
+            <a:r>
+              <a:rPr lang="fr-FR" dirty="0" err="1" smtClean="0"/>
+              <a:t>checkout</a:t>
+            </a:r>
+            <a:r>
+              <a:rPr lang="fr-FR" dirty="0" smtClean="0"/>
+              <a:t> </a:t>
+            </a:r>
+            <a:r>
+              <a:rPr lang="fr-FR" dirty="0" err="1" smtClean="0"/>
+              <a:t>nomDeLaBranche</a:t>
+            </a:r>
+            <a:endParaRPr lang="fr-FR" dirty="0" smtClean="0"/>
+          </a:p>
+          <a:p>
+            <a:pPr marL="0" indent="0">
+              <a:buFont typeface="Wingdings" pitchFamily="2" charset="2"/>
+              <a:buNone/>
+            </a:pPr>
+            <a:endParaRPr lang="fr-FR" dirty="0" smtClean="0"/>
+          </a:p>
+          <a:p>
+            <a:endParaRPr lang="fr-FR" dirty="0"/>
+          </a:p>
+        </p:txBody>
+      </p:sp>
+      <p:sp>
+        <p:nvSpPr>
+          <p:cNvPr id="6" name="Rectangle à coins arrondis 5"/>
+          <p:cNvSpPr/>
+          <p:nvPr/>
+        </p:nvSpPr>
+        <p:spPr>
+          <a:xfrm>
+            <a:off x="4185138" y="4862146"/>
+            <a:ext cx="879231" cy="290146"/>
+          </a:xfrm>
+          <a:prstGeom prst="roundRect">
+            <a:avLst/>
+          </a:prstGeom>
+          <a:noFill/>
+          <a:ln w="38100">
+            <a:solidFill>
+              <a:srgbClr val="FF0000"/>
+            </a:solidFill>
+          </a:ln>
+        </p:spPr>
+        <p:style>
+          <a:lnRef idx="2">
+            <a:schemeClr val="accent1">
+              <a:shade val="50000"/>
+            </a:schemeClr>
+          </a:lnRef>
+          <a:fillRef idx="1">
+            <a:schemeClr val="accent1"/>
+          </a:fillRef>
+          <a:effectRef idx="0">
+            <a:schemeClr val="accent1"/>
+          </a:effectRef>
+          <a:fontRef idx="minor">
+            <a:schemeClr val="lt1"/>
+          </a:fontRef>
+        </p:style>
+        <p:txBody>
+          <a:bodyPr rtlCol="0" anchor="ctr"/>
+          <a:lstStyle/>
+          <a:p>
+            <a:pPr algn="ctr"/>
+            <a:endParaRPr lang="fr-FR"/>
+          </a:p>
+        </p:txBody>
+      </p:sp>
+      <p:cxnSp>
+        <p:nvCxnSpPr>
+          <p:cNvPr id="8" name="Connecteur droit avec flèche 7"/>
+          <p:cNvCxnSpPr>
+            <a:stCxn id="10" idx="1"/>
+            <a:endCxn id="6" idx="3"/>
+          </p:cNvCxnSpPr>
+          <p:nvPr/>
+        </p:nvCxnSpPr>
+        <p:spPr>
+          <a:xfrm flipH="1" flipV="1">
+            <a:off x="5064369" y="5007219"/>
+            <a:ext cx="2053312" cy="19432"/>
+          </a:xfrm>
+          <a:prstGeom prst="straightConnector1">
+            <a:avLst/>
+          </a:prstGeom>
+          <a:ln w="38100">
+            <a:solidFill>
+              <a:srgbClr val="FF0000"/>
+            </a:solidFill>
+            <a:tailEnd type="triangle"/>
+          </a:ln>
+        </p:spPr>
+        <p:style>
+          <a:lnRef idx="1">
+            <a:schemeClr val="accent1"/>
+          </a:lnRef>
+          <a:fillRef idx="0">
+            <a:schemeClr val="accent1"/>
+          </a:fillRef>
+          <a:effectRef idx="0">
+            <a:schemeClr val="accent1"/>
+          </a:effectRef>
+          <a:fontRef idx="minor">
+            <a:schemeClr val="tx1"/>
+          </a:fontRef>
+        </p:style>
+      </p:cxnSp>
+      <p:sp>
+        <p:nvSpPr>
+          <p:cNvPr id="10" name="Espace réservé du contenu 2"/>
+          <p:cNvSpPr txBox="1">
+            <a:spLocks/>
+          </p:cNvSpPr>
+          <p:nvPr/>
+        </p:nvSpPr>
+        <p:spPr>
+          <a:xfrm>
+            <a:off x="7117681" y="4631847"/>
+            <a:ext cx="4848650" cy="789608"/>
+          </a:xfrm>
+          <a:prstGeom prst="rect">
+            <a:avLst/>
+          </a:prstGeom>
+        </p:spPr>
+        <p:txBody>
+          <a:bodyPr vert="horz" lIns="91440" tIns="45720" rIns="91440" bIns="45720" rtlCol="0">
+            <a:normAutofit/>
+          </a:bodyPr>
+          <a:lstStyle>
+            <a:lvl1pPr marL="182880" indent="-182880" algn="l" defTabSz="914400" rtl="0" eaLnBrk="1" latinLnBrk="0" hangingPunct="1">
+              <a:lnSpc>
+                <a:spcPct val="90000"/>
+              </a:lnSpc>
+              <a:spcBef>
+                <a:spcPts val="1200"/>
+              </a:spcBef>
+              <a:buClr>
+                <a:schemeClr val="accent1">
+                  <a:lumMod val="75000"/>
+                </a:schemeClr>
+              </a:buClr>
+              <a:buSzPct val="85000"/>
+              <a:buFont typeface="Wingdings" pitchFamily="2" charset="2"/>
+              <a:buChar char="§"/>
+              <a:defRPr sz="2000" kern="1200">
+                <a:solidFill>
+                  <a:schemeClr val="tx1"/>
+                </a:solidFill>
+                <a:latin typeface="+mn-lt"/>
+                <a:ea typeface="+mn-ea"/>
+                <a:cs typeface="+mn-cs"/>
+              </a:defRPr>
+            </a:lvl1pPr>
+            <a:lvl2pPr marL="457200" indent="-182880" algn="l" defTabSz="914400" rtl="0" eaLnBrk="1" latinLnBrk="0" hangingPunct="1">
+              <a:lnSpc>
+                <a:spcPct val="90000"/>
+              </a:lnSpc>
+              <a:spcBef>
+                <a:spcPts val="400"/>
+              </a:spcBef>
+              <a:spcAft>
+                <a:spcPts val="200"/>
+              </a:spcAft>
+              <a:buClr>
+                <a:schemeClr val="accent1">
+                  <a:lumMod val="75000"/>
+                </a:schemeClr>
+              </a:buClr>
+              <a:buSzPct val="85000"/>
+              <a:buFont typeface="Wingdings" pitchFamily="2" charset="2"/>
+              <a:buChar char="§"/>
+              <a:defRPr sz="1800" kern="1200">
+                <a:solidFill>
+                  <a:schemeClr val="tx1"/>
+                </a:solidFill>
+                <a:latin typeface="+mn-lt"/>
+                <a:ea typeface="+mn-ea"/>
+                <a:cs typeface="+mn-cs"/>
+              </a:defRPr>
+            </a:lvl2pPr>
+            <a:lvl3pPr marL="731520" indent="-182880" algn="l" defTabSz="914400" rtl="0" eaLnBrk="1" latinLnBrk="0" hangingPunct="1">
+              <a:lnSpc>
+                <a:spcPct val="90000"/>
+              </a:lnSpc>
+              <a:spcBef>
+                <a:spcPts val="400"/>
+              </a:spcBef>
+              <a:spcAft>
+                <a:spcPts val="200"/>
+              </a:spcAft>
+              <a:buClr>
+                <a:schemeClr val="accent1">
+                  <a:lumMod val="75000"/>
+                </a:schemeClr>
+              </a:buClr>
+              <a:buSzPct val="85000"/>
+              <a:buFont typeface="Wingdings" pitchFamily="2" charset="2"/>
+              <a:buChar char="§"/>
+              <a:defRPr sz="1600" kern="1200">
+                <a:solidFill>
+                  <a:schemeClr val="tx1"/>
+                </a:solidFill>
+                <a:latin typeface="+mn-lt"/>
+                <a:ea typeface="+mn-ea"/>
+                <a:cs typeface="+mn-cs"/>
+              </a:defRPr>
+            </a:lvl3pPr>
+            <a:lvl4pPr marL="1005840" indent="-182880" algn="l" defTabSz="914400" rtl="0" eaLnBrk="1" latinLnBrk="0" hangingPunct="1">
+              <a:lnSpc>
+                <a:spcPct val="90000"/>
+              </a:lnSpc>
+              <a:spcBef>
+                <a:spcPts val="400"/>
+              </a:spcBef>
+              <a:spcAft>
+                <a:spcPts val="200"/>
+              </a:spcAft>
+              <a:buClr>
+                <a:schemeClr val="accent1">
+                  <a:lumMod val="75000"/>
+                </a:schemeClr>
+              </a:buClr>
+              <a:buSzPct val="85000"/>
+              <a:buFont typeface="Wingdings" pitchFamily="2" charset="2"/>
+              <a:buChar char="§"/>
+              <a:defRPr sz="1600" kern="1200">
+                <a:solidFill>
+                  <a:schemeClr val="tx1"/>
+                </a:solidFill>
+                <a:latin typeface="+mn-lt"/>
+                <a:ea typeface="+mn-ea"/>
+                <a:cs typeface="+mn-cs"/>
+              </a:defRPr>
+            </a:lvl4pPr>
+            <a:lvl5pPr marL="1280160" indent="-182880" algn="l" defTabSz="914400" rtl="0" eaLnBrk="1" latinLnBrk="0" hangingPunct="1">
+              <a:lnSpc>
+                <a:spcPct val="90000"/>
+              </a:lnSpc>
+              <a:spcBef>
+                <a:spcPts val="400"/>
+              </a:spcBef>
+              <a:spcAft>
+                <a:spcPts val="200"/>
+              </a:spcAft>
+              <a:buClr>
+                <a:schemeClr val="accent1">
+                  <a:lumMod val="75000"/>
+                </a:schemeClr>
+              </a:buClr>
+              <a:buSzPct val="85000"/>
+              <a:buFont typeface="Wingdings" pitchFamily="2" charset="2"/>
+              <a:buChar char="§"/>
+              <a:defRPr sz="1600" kern="1200">
+                <a:solidFill>
+                  <a:schemeClr val="tx1"/>
+                </a:solidFill>
+                <a:latin typeface="+mn-lt"/>
+                <a:ea typeface="+mn-ea"/>
+                <a:cs typeface="+mn-cs"/>
+              </a:defRPr>
+            </a:lvl5pPr>
+            <a:lvl6pPr marL="1600000" indent="-228600" algn="l" defTabSz="914400" rtl="0" eaLnBrk="1" latinLnBrk="0" hangingPunct="1">
+              <a:lnSpc>
+                <a:spcPct val="90000"/>
+              </a:lnSpc>
+              <a:spcBef>
+                <a:spcPts val="400"/>
+              </a:spcBef>
+              <a:spcAft>
+                <a:spcPts val="200"/>
+              </a:spcAft>
+              <a:buClr>
+                <a:schemeClr val="accent1">
+                  <a:lumMod val="75000"/>
+                </a:schemeClr>
+              </a:buClr>
+              <a:buSzPct val="85000"/>
+              <a:buFont typeface="Wingdings" pitchFamily="2" charset="2"/>
+              <a:buChar char="§"/>
+              <a:defRPr sz="1600" kern="1200">
+                <a:solidFill>
+                  <a:schemeClr val="tx1"/>
+                </a:solidFill>
+                <a:latin typeface="+mn-lt"/>
+                <a:ea typeface="+mn-ea"/>
+                <a:cs typeface="+mn-cs"/>
+              </a:defRPr>
+            </a:lvl6pPr>
+            <a:lvl7pPr marL="1900000" indent="-228600" algn="l" defTabSz="914400" rtl="0" eaLnBrk="1" latinLnBrk="0" hangingPunct="1">
+              <a:lnSpc>
+                <a:spcPct val="90000"/>
+              </a:lnSpc>
+              <a:spcBef>
+                <a:spcPts val="400"/>
+              </a:spcBef>
+              <a:spcAft>
+                <a:spcPts val="200"/>
+              </a:spcAft>
+              <a:buClr>
+                <a:schemeClr val="accent1">
+                  <a:lumMod val="75000"/>
+                </a:schemeClr>
+              </a:buClr>
+              <a:buSzPct val="85000"/>
+              <a:buFont typeface="Wingdings" pitchFamily="2" charset="2"/>
+              <a:buChar char="§"/>
+              <a:defRPr sz="1600" kern="1200">
+                <a:solidFill>
+                  <a:schemeClr val="tx1"/>
+                </a:solidFill>
+                <a:latin typeface="+mn-lt"/>
+                <a:ea typeface="+mn-ea"/>
+                <a:cs typeface="+mn-cs"/>
+              </a:defRPr>
+            </a:lvl7pPr>
+            <a:lvl8pPr marL="2200000" indent="-228600" algn="l" defTabSz="914400" rtl="0" eaLnBrk="1" latinLnBrk="0" hangingPunct="1">
+              <a:lnSpc>
+                <a:spcPct val="90000"/>
+              </a:lnSpc>
+              <a:spcBef>
+                <a:spcPts val="400"/>
+              </a:spcBef>
+              <a:spcAft>
+                <a:spcPts val="200"/>
+              </a:spcAft>
+              <a:buClr>
+                <a:schemeClr val="accent1">
+                  <a:lumMod val="75000"/>
+                </a:schemeClr>
+              </a:buClr>
+              <a:buSzPct val="85000"/>
+              <a:buFont typeface="Wingdings" pitchFamily="2" charset="2"/>
+              <a:buChar char="§"/>
+              <a:defRPr sz="1600" kern="1200">
+                <a:solidFill>
+                  <a:schemeClr val="tx1"/>
+                </a:solidFill>
+                <a:latin typeface="+mn-lt"/>
+                <a:ea typeface="+mn-ea"/>
+                <a:cs typeface="+mn-cs"/>
+              </a:defRPr>
+            </a:lvl8pPr>
+            <a:lvl9pPr marL="2500000" indent="-228600" algn="l" defTabSz="914400" rtl="0" eaLnBrk="1" latinLnBrk="0" hangingPunct="1">
+              <a:lnSpc>
+                <a:spcPct val="90000"/>
+              </a:lnSpc>
+              <a:spcBef>
+                <a:spcPts val="400"/>
+              </a:spcBef>
+              <a:spcAft>
+                <a:spcPts val="200"/>
+              </a:spcAft>
+              <a:buClr>
+                <a:schemeClr val="accent1">
+                  <a:lumMod val="75000"/>
+                </a:schemeClr>
+              </a:buClr>
+              <a:buSzPct val="85000"/>
+              <a:buFont typeface="Wingdings" pitchFamily="2" charset="2"/>
+              <a:buChar char="§"/>
+              <a:defRPr sz="1600" kern="1200">
+                <a:solidFill>
+                  <a:schemeClr val="tx1"/>
+                </a:solidFill>
+                <a:latin typeface="+mn-lt"/>
+                <a:ea typeface="+mn-ea"/>
+                <a:cs typeface="+mn-cs"/>
+              </a:defRPr>
+            </a:lvl9pPr>
+          </a:lstStyle>
+          <a:p>
+            <a:pPr marL="0" indent="0">
+              <a:buFont typeface="Wingdings" pitchFamily="2" charset="2"/>
+              <a:buNone/>
+            </a:pPr>
+            <a:r>
+              <a:rPr lang="fr-FR" dirty="0" smtClean="0"/>
+              <a:t>On peux visualiser la branche dans </a:t>
+            </a:r>
+            <a:r>
+              <a:rPr lang="fr-FR" dirty="0" err="1" smtClean="0"/>
+              <a:t>laquel</a:t>
+            </a:r>
+            <a:r>
+              <a:rPr lang="fr-FR" dirty="0" smtClean="0"/>
+              <a:t> on ce trouve juste </a:t>
+            </a:r>
+            <a:r>
+              <a:rPr lang="fr-FR" dirty="0" err="1" smtClean="0"/>
+              <a:t>içi</a:t>
+            </a:r>
+            <a:endParaRPr lang="fr-FR" dirty="0" smtClean="0"/>
+          </a:p>
+          <a:p>
+            <a:pPr marL="0" indent="0">
+              <a:buFont typeface="Wingdings" pitchFamily="2" charset="2"/>
+              <a:buNone/>
+            </a:pPr>
+            <a:endParaRPr lang="fr-FR" dirty="0" smtClean="0"/>
+          </a:p>
+          <a:p>
+            <a:endParaRPr lang="fr-FR" dirty="0"/>
+          </a:p>
+        </p:txBody>
+      </p:sp>
+    </p:spTree>
+    <p:extLst>
+      <p:ext uri="{BB962C8B-B14F-4D97-AF65-F5344CB8AC3E}">
+        <p14:creationId xmlns:p14="http://schemas.microsoft.com/office/powerpoint/2010/main" val="1551414081"/>
+      </p:ext>
+    </p:extLst>
+  </p:cSld>
+  <p:clrMapOvr>
+    <a:masterClrMapping/>
+  </p:clrMapOvr>
+</p:sld>
+</file>
+
+<file path=ppt/slides/slide13.xml><?xml version="1.0" encoding="utf-8"?>
+<p:sld xmlns:a="http://schemas.openxmlformats.org/drawingml/2006/main" xmlns:r="http://schemas.openxmlformats.org/officeDocument/2006/relationships" xmlns:p="http://schemas.openxmlformats.org/presentationml/2006/main">
+  <p:cSld>
+    <p:spTree>
+      <p:nvGrpSpPr>
+        <p:cNvPr id="1" name=""/>
+        <p:cNvGrpSpPr/>
+        <p:nvPr/>
+      </p:nvGrpSpPr>
+      <p:grpSpPr>
+        <a:xfrm>
+          <a:off x="0" y="0"/>
+          <a:ext cx="0" cy="0"/>
+          <a:chOff x="0" y="0"/>
+          <a:chExt cx="0" cy="0"/>
+        </a:xfrm>
+      </p:grpSpPr>
+      <p:sp>
+        <p:nvSpPr>
+          <p:cNvPr id="3" name="Espace réservé du contenu 2"/>
+          <p:cNvSpPr>
+            <a:spLocks noGrp="1"/>
+          </p:cNvSpPr>
+          <p:nvPr>
+            <p:ph idx="1"/>
+          </p:nvPr>
+        </p:nvSpPr>
+        <p:spPr>
+          <a:xfrm>
+            <a:off x="1122602" y="1022370"/>
+            <a:ext cx="10058400" cy="4050792"/>
+          </a:xfrm>
+        </p:spPr>
+        <p:txBody>
+          <a:bodyPr/>
+          <a:lstStyle/>
+          <a:p>
+            <a:pPr marL="0" indent="0">
+              <a:buNone/>
+            </a:pPr>
+            <a:r>
+              <a:rPr lang="fr-FR" dirty="0" smtClean="0"/>
+              <a:t>On peux </a:t>
+            </a:r>
+            <a:r>
+              <a:rPr lang="fr-FR" dirty="0" err="1" smtClean="0"/>
+              <a:t>egalement</a:t>
+            </a:r>
+            <a:r>
+              <a:rPr lang="fr-FR" dirty="0" smtClean="0"/>
+              <a:t> visualiser la liste de toute les branche existante</a:t>
+            </a:r>
+          </a:p>
+          <a:p>
+            <a:pPr marL="0" indent="0">
+              <a:buNone/>
+            </a:pPr>
+            <a:r>
+              <a:rPr lang="fr-FR" dirty="0" smtClean="0"/>
+              <a:t>avec git </a:t>
+            </a:r>
+            <a:r>
+              <a:rPr lang="fr-FR" dirty="0" err="1" smtClean="0"/>
+              <a:t>branch</a:t>
+            </a:r>
+            <a:r>
+              <a:rPr lang="fr-FR" dirty="0" smtClean="0"/>
+              <a:t> --</a:t>
+            </a:r>
+            <a:r>
+              <a:rPr lang="fr-FR" dirty="0" err="1" smtClean="0"/>
+              <a:t>list</a:t>
+            </a:r>
+            <a:endParaRPr lang="fr-FR" dirty="0"/>
+          </a:p>
+        </p:txBody>
+      </p:sp>
+      <p:pic>
+        <p:nvPicPr>
+          <p:cNvPr id="5" name="Image 4"/>
+          <p:cNvPicPr>
+            <a:picLocks noChangeAspect="1"/>
+          </p:cNvPicPr>
+          <p:nvPr/>
+        </p:nvPicPr>
+        <p:blipFill>
+          <a:blip r:embed="rId2"/>
+          <a:stretch>
+            <a:fillRect/>
+          </a:stretch>
+        </p:blipFill>
+        <p:spPr>
+          <a:xfrm>
+            <a:off x="4041164" y="1737213"/>
+            <a:ext cx="5534025" cy="3524250"/>
+          </a:xfrm>
+          <a:prstGeom prst="rect">
+            <a:avLst/>
+          </a:prstGeom>
+        </p:spPr>
+      </p:pic>
+      <p:sp>
+        <p:nvSpPr>
+          <p:cNvPr id="7" name="Rectangle à coins arrondis 6"/>
+          <p:cNvSpPr/>
+          <p:nvPr/>
+        </p:nvSpPr>
+        <p:spPr>
+          <a:xfrm>
+            <a:off x="4041164" y="4246685"/>
+            <a:ext cx="3898290" cy="615461"/>
+          </a:xfrm>
+          <a:prstGeom prst="roundRect">
+            <a:avLst/>
+          </a:prstGeom>
+          <a:noFill/>
+          <a:ln w="38100">
+            <a:solidFill>
+              <a:srgbClr val="FF0000"/>
+            </a:solidFill>
+          </a:ln>
+        </p:spPr>
+        <p:style>
+          <a:lnRef idx="2">
+            <a:schemeClr val="accent1">
+              <a:shade val="50000"/>
+            </a:schemeClr>
+          </a:lnRef>
+          <a:fillRef idx="1">
+            <a:schemeClr val="accent1"/>
+          </a:fillRef>
+          <a:effectRef idx="0">
+            <a:schemeClr val="accent1"/>
+          </a:effectRef>
+          <a:fontRef idx="minor">
+            <a:schemeClr val="lt1"/>
+          </a:fontRef>
+        </p:style>
+        <p:txBody>
+          <a:bodyPr rtlCol="0" anchor="ctr"/>
+          <a:lstStyle/>
+          <a:p>
+            <a:pPr algn="ctr"/>
+            <a:endParaRPr lang="fr-FR"/>
+          </a:p>
+        </p:txBody>
+      </p:sp>
+    </p:spTree>
+    <p:extLst>
+      <p:ext uri="{BB962C8B-B14F-4D97-AF65-F5344CB8AC3E}">
+        <p14:creationId xmlns:p14="http://schemas.microsoft.com/office/powerpoint/2010/main" val="555960465"/>
+      </p:ext>
+    </p:extLst>
+  </p:cSld>
+  <p:clrMapOvr>
+    <a:masterClrMapping/>
+  </p:clrMapOvr>
+</p:sld>
+</file>
+
+<file path=ppt/slides/slide14.xml><?xml version="1.0" encoding="utf-8"?>
+<p:sld xmlns:a="http://schemas.openxmlformats.org/drawingml/2006/main" xmlns:r="http://schemas.openxmlformats.org/officeDocument/2006/relationships" xmlns:p="http://schemas.openxmlformats.org/presentationml/2006/main">
+  <p:cSld>
+    <p:spTree>
+      <p:nvGrpSpPr>
+        <p:cNvPr id="1" name=""/>
+        <p:cNvGrpSpPr/>
+        <p:nvPr/>
+      </p:nvGrpSpPr>
+      <p:grpSpPr>
+        <a:xfrm>
+          <a:off x="0" y="0"/>
+          <a:ext cx="0" cy="0"/>
+          <a:chOff x="0" y="0"/>
+          <a:chExt cx="0" cy="0"/>
+        </a:xfrm>
+      </p:grpSpPr>
+      <p:sp>
+        <p:nvSpPr>
+          <p:cNvPr id="3" name="Espace réservé du contenu 2"/>
+          <p:cNvSpPr>
+            <a:spLocks noGrp="1"/>
+          </p:cNvSpPr>
+          <p:nvPr>
+            <p:ph idx="1"/>
+          </p:nvPr>
+        </p:nvSpPr>
+        <p:spPr>
+          <a:xfrm>
+            <a:off x="999510" y="864108"/>
+            <a:ext cx="10058400" cy="4050792"/>
+          </a:xfrm>
+        </p:spPr>
+        <p:txBody>
+          <a:bodyPr/>
+          <a:lstStyle/>
+          <a:p>
+            <a:pPr marL="0" indent="0">
+              <a:buNone/>
+            </a:pPr>
+            <a:r>
+              <a:rPr lang="fr-FR" dirty="0" smtClean="0"/>
+              <a:t>On peux a </a:t>
+            </a:r>
+            <a:r>
+              <a:rPr lang="fr-FR" dirty="0" err="1" smtClean="0"/>
+              <a:t>present</a:t>
+            </a:r>
+            <a:r>
+              <a:rPr lang="fr-FR" dirty="0" smtClean="0"/>
+              <a:t> créer notre fichier </a:t>
+            </a:r>
+            <a:r>
+              <a:rPr lang="fr-FR" dirty="0" err="1" smtClean="0"/>
+              <a:t>excel</a:t>
+            </a:r>
+            <a:endParaRPr lang="fr-FR" dirty="0" smtClean="0"/>
+          </a:p>
+          <a:p>
+            <a:pPr marL="0" indent="0">
+              <a:buNone/>
+            </a:pPr>
+            <a:r>
+              <a:rPr lang="fr-FR" dirty="0" smtClean="0"/>
+              <a:t>Avec la commande:</a:t>
+            </a:r>
+          </a:p>
+          <a:p>
+            <a:pPr marL="0" indent="0">
+              <a:buNone/>
+            </a:pPr>
+            <a:r>
+              <a:rPr lang="fr-FR" dirty="0" err="1" smtClean="0"/>
+              <a:t>Touch</a:t>
+            </a:r>
+            <a:r>
+              <a:rPr lang="fr-FR" dirty="0" smtClean="0"/>
+              <a:t> excel.xlsx</a:t>
+            </a:r>
+            <a:endParaRPr lang="fr-FR" dirty="0"/>
+          </a:p>
+        </p:txBody>
+      </p:sp>
+      <p:pic>
+        <p:nvPicPr>
+          <p:cNvPr id="4" name="Image 3"/>
+          <p:cNvPicPr>
+            <a:picLocks noChangeAspect="1"/>
+          </p:cNvPicPr>
+          <p:nvPr/>
+        </p:nvPicPr>
+        <p:blipFill>
+          <a:blip r:embed="rId2"/>
+          <a:stretch>
+            <a:fillRect/>
+          </a:stretch>
+        </p:blipFill>
+        <p:spPr>
+          <a:xfrm>
+            <a:off x="4515949" y="1737212"/>
+            <a:ext cx="5534025" cy="3524250"/>
+          </a:xfrm>
+          <a:prstGeom prst="rect">
+            <a:avLst/>
+          </a:prstGeom>
+        </p:spPr>
+      </p:pic>
+      <p:sp>
+        <p:nvSpPr>
+          <p:cNvPr id="5" name="Rectangle à coins arrondis 4"/>
+          <p:cNvSpPr/>
+          <p:nvPr/>
+        </p:nvSpPr>
+        <p:spPr>
+          <a:xfrm>
+            <a:off x="4515949" y="4492869"/>
+            <a:ext cx="3898290" cy="439615"/>
+          </a:xfrm>
+          <a:prstGeom prst="roundRect">
+            <a:avLst/>
+          </a:prstGeom>
+          <a:noFill/>
+          <a:ln w="38100">
+            <a:solidFill>
+              <a:srgbClr val="FF0000"/>
+            </a:solidFill>
+          </a:ln>
+        </p:spPr>
+        <p:style>
+          <a:lnRef idx="2">
+            <a:schemeClr val="accent1">
+              <a:shade val="50000"/>
+            </a:schemeClr>
+          </a:lnRef>
+          <a:fillRef idx="1">
+            <a:schemeClr val="accent1"/>
+          </a:fillRef>
+          <a:effectRef idx="0">
+            <a:schemeClr val="accent1"/>
+          </a:effectRef>
+          <a:fontRef idx="minor">
+            <a:schemeClr val="lt1"/>
+          </a:fontRef>
+        </p:style>
+        <p:txBody>
+          <a:bodyPr rtlCol="0" anchor="ctr"/>
+          <a:lstStyle/>
+          <a:p>
+            <a:pPr algn="ctr"/>
+            <a:endParaRPr lang="fr-FR"/>
+          </a:p>
+        </p:txBody>
+      </p:sp>
+    </p:spTree>
+    <p:extLst>
+      <p:ext uri="{BB962C8B-B14F-4D97-AF65-F5344CB8AC3E}">
+        <p14:creationId xmlns:p14="http://schemas.microsoft.com/office/powerpoint/2010/main" val="1697094082"/>
+      </p:ext>
+    </p:extLst>
+  </p:cSld>
+  <p:clrMapOvr>
+    <a:masterClrMapping/>
+  </p:clrMapOvr>
+</p:sld>
+</file>
+
 <file path=ppt/slides/slide2.xml><?xml version="1.0" encoding="utf-8"?>
 <p:sld xmlns:a="http://schemas.openxmlformats.org/drawingml/2006/main" xmlns:r="http://schemas.openxmlformats.org/officeDocument/2006/relationships" xmlns:p="http://schemas.openxmlformats.org/presentationml/2006/main">
   <p:cSld>
@@ -4550,11 +5915,7 @@
             </a:r>
             <a:r>
               <a:rPr lang="fr-FR" altLang="fr-FR" dirty="0"/>
-              <a:t>nouveau </a:t>
-            </a:r>
-            <a:r>
-              <a:rPr lang="fr-FR" altLang="fr-FR" dirty="0"/>
-              <a:t>sous-répertoire nommé .git qui contient tous les fichiers nécessaires au dépôt</a:t>
+              <a:t>nouveau sous-répertoire nommé .git qui contient tous les fichiers nécessaires au dépôt</a:t>
             </a:r>
           </a:p>
           <a:p>
@@ -4804,6 +6165,30 @@
           </a:p>
         </p:txBody>
       </p:sp>
+      <p:pic>
+        <p:nvPicPr>
+          <p:cNvPr id="2" name="Image 1"/>
+          <p:cNvPicPr>
+            <a:picLocks noChangeAspect="1"/>
+          </p:cNvPicPr>
+          <p:nvPr/>
+        </p:nvPicPr>
+        <p:blipFill>
+          <a:blip r:embed="rId2"/>
+          <a:stretch>
+            <a:fillRect/>
+          </a:stretch>
+        </p:blipFill>
+        <p:spPr>
+          <a:xfrm>
+            <a:off x="2932339" y="1413918"/>
+            <a:ext cx="5543550" cy="3533775"/>
+          </a:xfrm>
+          <a:prstGeom prst="rect">
+            <a:avLst/>
+          </a:prstGeom>
+        </p:spPr>
+      </p:pic>
     </p:spTree>
     <p:extLst>
       <p:ext uri="{BB962C8B-B14F-4D97-AF65-F5344CB8AC3E}">
@@ -4821,6 +6206,325 @@
       </p:par>
     </p:tnLst>
   </p:timing>
+</p:sld>
+</file>
+
+<file path=ppt/slides/slide7.xml><?xml version="1.0" encoding="utf-8"?>
+<p:sld xmlns:a="http://schemas.openxmlformats.org/drawingml/2006/main" xmlns:r="http://schemas.openxmlformats.org/officeDocument/2006/relationships" xmlns:p="http://schemas.openxmlformats.org/presentationml/2006/main">
+  <p:cSld>
+    <p:spTree>
+      <p:nvGrpSpPr>
+        <p:cNvPr id="1" name=""/>
+        <p:cNvGrpSpPr/>
+        <p:nvPr/>
+      </p:nvGrpSpPr>
+      <p:grpSpPr>
+        <a:xfrm>
+          <a:off x="0" y="0"/>
+          <a:ext cx="0" cy="0"/>
+          <a:chOff x="0" y="0"/>
+          <a:chExt cx="0" cy="0"/>
+        </a:xfrm>
+      </p:grpSpPr>
+      <p:sp>
+        <p:nvSpPr>
+          <p:cNvPr id="3" name="Espace réservé du contenu 2"/>
+          <p:cNvSpPr>
+            <a:spLocks noGrp="1"/>
+          </p:cNvSpPr>
+          <p:nvPr>
+            <p:ph idx="1"/>
+          </p:nvPr>
+        </p:nvSpPr>
+        <p:spPr/>
+        <p:txBody>
+          <a:bodyPr/>
+          <a:lstStyle/>
+          <a:p>
+            <a:pPr marL="0" indent="0">
+              <a:buNone/>
+            </a:pPr>
+            <a:r>
+              <a:rPr lang="fr-FR" dirty="0" smtClean="0"/>
+              <a:t>On peux alors vérifier si le fichier a bien était ajouter avec: </a:t>
+            </a:r>
+          </a:p>
+          <a:p>
+            <a:pPr marL="0" indent="0">
+              <a:buNone/>
+            </a:pPr>
+            <a:r>
+              <a:rPr lang="fr-FR" dirty="0" smtClean="0"/>
+              <a:t>Git </a:t>
+            </a:r>
+            <a:r>
+              <a:rPr lang="fr-FR" dirty="0" err="1" smtClean="0"/>
+              <a:t>status</a:t>
+            </a:r>
+            <a:endParaRPr lang="fr-FR" dirty="0"/>
+          </a:p>
+        </p:txBody>
+      </p:sp>
+      <p:pic>
+        <p:nvPicPr>
+          <p:cNvPr id="4" name="Image 3"/>
+          <p:cNvPicPr>
+            <a:picLocks noChangeAspect="1"/>
+          </p:cNvPicPr>
+          <p:nvPr/>
+        </p:nvPicPr>
+        <p:blipFill>
+          <a:blip r:embed="rId2"/>
+          <a:stretch>
+            <a:fillRect/>
+          </a:stretch>
+        </p:blipFill>
+        <p:spPr>
+          <a:xfrm>
+            <a:off x="3551056" y="2647950"/>
+            <a:ext cx="5534025" cy="3524250"/>
+          </a:xfrm>
+          <a:prstGeom prst="rect">
+            <a:avLst/>
+          </a:prstGeom>
+        </p:spPr>
+      </p:pic>
+    </p:spTree>
+    <p:extLst>
+      <p:ext uri="{BB962C8B-B14F-4D97-AF65-F5344CB8AC3E}">
+        <p14:creationId xmlns:p14="http://schemas.microsoft.com/office/powerpoint/2010/main" val="1488532702"/>
+      </p:ext>
+    </p:extLst>
+  </p:cSld>
+  <p:clrMapOvr>
+    <a:masterClrMapping/>
+  </p:clrMapOvr>
+</p:sld>
+</file>
+
+<file path=ppt/slides/slide8.xml><?xml version="1.0" encoding="utf-8"?>
+<p:sld xmlns:a="http://schemas.openxmlformats.org/drawingml/2006/main" xmlns:r="http://schemas.openxmlformats.org/officeDocument/2006/relationships" xmlns:p="http://schemas.openxmlformats.org/presentationml/2006/main">
+  <p:cSld>
+    <p:spTree>
+      <p:nvGrpSpPr>
+        <p:cNvPr id="1" name=""/>
+        <p:cNvGrpSpPr/>
+        <p:nvPr/>
+      </p:nvGrpSpPr>
+      <p:grpSpPr>
+        <a:xfrm>
+          <a:off x="0" y="0"/>
+          <a:ext cx="0" cy="0"/>
+          <a:chOff x="0" y="0"/>
+          <a:chExt cx="0" cy="0"/>
+        </a:xfrm>
+      </p:grpSpPr>
+      <p:sp>
+        <p:nvSpPr>
+          <p:cNvPr id="3" name="Espace réservé du contenu 2"/>
+          <p:cNvSpPr>
+            <a:spLocks noGrp="1"/>
+          </p:cNvSpPr>
+          <p:nvPr>
+            <p:ph idx="1"/>
+          </p:nvPr>
+        </p:nvSpPr>
+        <p:spPr>
+          <a:xfrm>
+            <a:off x="842418" y="973891"/>
+            <a:ext cx="10058400" cy="4050792"/>
+          </a:xfrm>
+        </p:spPr>
+        <p:txBody>
+          <a:bodyPr/>
+          <a:lstStyle/>
+          <a:p>
+            <a:pPr marL="0" indent="0">
+              <a:buNone/>
+            </a:pPr>
+            <a:r>
+              <a:rPr lang="fr-FR" dirty="0" smtClean="0"/>
+              <a:t>On va maintenant ajouter le fichier au projet avec un commit:</a:t>
+            </a:r>
+          </a:p>
+          <a:p>
+            <a:pPr marL="0" indent="0">
+              <a:buNone/>
+            </a:pPr>
+            <a:r>
+              <a:rPr lang="fr-FR" dirty="0" smtClean="0"/>
+              <a:t>Git commit –m ‘nom de la sauvegarde’</a:t>
+            </a:r>
+            <a:endParaRPr lang="fr-FR" dirty="0"/>
+          </a:p>
+        </p:txBody>
+      </p:sp>
+      <p:pic>
+        <p:nvPicPr>
+          <p:cNvPr id="4" name="Image 3"/>
+          <p:cNvPicPr>
+            <a:picLocks noChangeAspect="1"/>
+          </p:cNvPicPr>
+          <p:nvPr/>
+        </p:nvPicPr>
+        <p:blipFill>
+          <a:blip r:embed="rId2"/>
+          <a:stretch>
+            <a:fillRect/>
+          </a:stretch>
+        </p:blipFill>
+        <p:spPr>
+          <a:xfrm>
+            <a:off x="4872447" y="1980383"/>
+            <a:ext cx="6211252" cy="3955531"/>
+          </a:xfrm>
+          <a:prstGeom prst="rect">
+            <a:avLst/>
+          </a:prstGeom>
+        </p:spPr>
+      </p:pic>
+    </p:spTree>
+    <p:extLst>
+      <p:ext uri="{BB962C8B-B14F-4D97-AF65-F5344CB8AC3E}">
+        <p14:creationId xmlns:p14="http://schemas.microsoft.com/office/powerpoint/2010/main" val="2119116839"/>
+      </p:ext>
+    </p:extLst>
+  </p:cSld>
+  <p:clrMapOvr>
+    <a:masterClrMapping/>
+  </p:clrMapOvr>
+</p:sld>
+</file>
+
+<file path=ppt/slides/slide9.xml><?xml version="1.0" encoding="utf-8"?>
+<p:sld xmlns:a="http://schemas.openxmlformats.org/drawingml/2006/main" xmlns:r="http://schemas.openxmlformats.org/officeDocument/2006/relationships" xmlns:p="http://schemas.openxmlformats.org/presentationml/2006/main">
+  <p:cSld>
+    <p:spTree>
+      <p:nvGrpSpPr>
+        <p:cNvPr id="1" name=""/>
+        <p:cNvGrpSpPr/>
+        <p:nvPr/>
+      </p:nvGrpSpPr>
+      <p:grpSpPr>
+        <a:xfrm>
+          <a:off x="0" y="0"/>
+          <a:ext cx="0" cy="0"/>
+          <a:chOff x="0" y="0"/>
+          <a:chExt cx="0" cy="0"/>
+        </a:xfrm>
+      </p:grpSpPr>
+      <p:sp>
+        <p:nvSpPr>
+          <p:cNvPr id="3" name="Espace réservé du contenu 2"/>
+          <p:cNvSpPr>
+            <a:spLocks noGrp="1"/>
+          </p:cNvSpPr>
+          <p:nvPr>
+            <p:ph idx="1"/>
+          </p:nvPr>
+        </p:nvSpPr>
+        <p:spPr>
+          <a:xfrm>
+            <a:off x="704088" y="553865"/>
+            <a:ext cx="10058400" cy="4050792"/>
+          </a:xfrm>
+        </p:spPr>
+        <p:txBody>
+          <a:bodyPr/>
+          <a:lstStyle/>
+          <a:p>
+            <a:pPr marL="0" indent="0">
+              <a:buNone/>
+            </a:pPr>
+            <a:r>
+              <a:rPr lang="fr-FR" dirty="0" smtClean="0"/>
+              <a:t>Une fois le commit effectué, on va lier le git avec </a:t>
+            </a:r>
+            <a:r>
+              <a:rPr lang="fr-FR" dirty="0" err="1" smtClean="0"/>
+              <a:t>gitHub</a:t>
+            </a:r>
+            <a:r>
+              <a:rPr lang="fr-FR" dirty="0" smtClean="0"/>
+              <a:t> ce qui va permettre d’avoir notre dossier en ligne</a:t>
+            </a:r>
+          </a:p>
+          <a:p>
+            <a:pPr marL="0" indent="0">
+              <a:buNone/>
+            </a:pPr>
+            <a:r>
+              <a:rPr lang="fr-FR" dirty="0" smtClean="0"/>
+              <a:t>Il suffit de faire un new </a:t>
+            </a:r>
+            <a:r>
+              <a:rPr lang="fr-FR" dirty="0" err="1" smtClean="0"/>
+              <a:t>repositories</a:t>
+            </a:r>
+            <a:r>
+              <a:rPr lang="fr-FR" dirty="0" smtClean="0"/>
+              <a:t>, puis d’entrer un nom et une description, et de le créer</a:t>
+            </a:r>
+            <a:endParaRPr lang="fr-FR" dirty="0"/>
+          </a:p>
+        </p:txBody>
+      </p:sp>
+      <p:pic>
+        <p:nvPicPr>
+          <p:cNvPr id="5" name="Image 4"/>
+          <p:cNvPicPr>
+            <a:picLocks noChangeAspect="1"/>
+          </p:cNvPicPr>
+          <p:nvPr/>
+        </p:nvPicPr>
+        <p:blipFill rotWithShape="1">
+          <a:blip r:embed="rId2"/>
+          <a:srcRect l="-543" r="73037" b="56720"/>
+          <a:stretch/>
+        </p:blipFill>
+        <p:spPr>
+          <a:xfrm>
+            <a:off x="1347789" y="2579261"/>
+            <a:ext cx="1985554" cy="1692293"/>
+          </a:xfrm>
+          <a:prstGeom prst="rect">
+            <a:avLst/>
+          </a:prstGeom>
+        </p:spPr>
+      </p:pic>
+      <p:pic>
+        <p:nvPicPr>
+          <p:cNvPr id="6" name="Image 5"/>
+          <p:cNvPicPr>
+            <a:picLocks noChangeAspect="1"/>
+          </p:cNvPicPr>
+          <p:nvPr/>
+        </p:nvPicPr>
+        <p:blipFill rotWithShape="1">
+          <a:blip r:embed="rId3"/>
+          <a:srcRect l="29936" t="15798" r="30291" b="18165"/>
+          <a:stretch/>
+        </p:blipFill>
+        <p:spPr>
+          <a:xfrm>
+            <a:off x="5192223" y="1945342"/>
+            <a:ext cx="4096870" cy="3684494"/>
+          </a:xfrm>
+          <a:prstGeom prst="rect">
+            <a:avLst/>
+          </a:prstGeom>
+        </p:spPr>
+      </p:pic>
+    </p:spTree>
+    <p:extLst>
+      <p:ext uri="{BB962C8B-B14F-4D97-AF65-F5344CB8AC3E}">
+        <p14:creationId xmlns:p14="http://schemas.microsoft.com/office/powerpoint/2010/main" val="3416727527"/>
+      </p:ext>
+    </p:extLst>
+  </p:cSld>
+  <p:clrMapOvr>
+    <a:masterClrMapping/>
+  </p:clrMapOvr>
 </p:sld>
 </file>
 

--- a/tutoGit.pptx
+++ b/tutoGit.pptx
@@ -528,7 +528,7 @@
           <a:p>
             <a:fld id="{FE9F5CBA-2310-4621-8080-6224FDBF25B3}" type="datetimeFigureOut">
               <a:rPr lang="fr-FR" smtClean="0"/>
-              <a:t>04/10/2019</a:t>
+              <a:t>11/10/2019</a:t>
             </a:fld>
             <a:endParaRPr lang="fr-FR"/>
           </a:p>
@@ -707,7 +707,7 @@
           <a:p>
             <a:fld id="{FE9F5CBA-2310-4621-8080-6224FDBF25B3}" type="datetimeFigureOut">
               <a:rPr lang="fr-FR" smtClean="0"/>
-              <a:t>04/10/2019</a:t>
+              <a:t>11/10/2019</a:t>
             </a:fld>
             <a:endParaRPr lang="fr-FR"/>
           </a:p>
@@ -887,7 +887,7 @@
           <a:p>
             <a:fld id="{FE9F5CBA-2310-4621-8080-6224FDBF25B3}" type="datetimeFigureOut">
               <a:rPr lang="fr-FR" smtClean="0"/>
-              <a:t>04/10/2019</a:t>
+              <a:t>11/10/2019</a:t>
             </a:fld>
             <a:endParaRPr lang="fr-FR"/>
           </a:p>
@@ -1057,7 +1057,7 @@
           <a:p>
             <a:fld id="{FE9F5CBA-2310-4621-8080-6224FDBF25B3}" type="datetimeFigureOut">
               <a:rPr lang="fr-FR" smtClean="0"/>
-              <a:t>04/10/2019</a:t>
+              <a:t>11/10/2019</a:t>
             </a:fld>
             <a:endParaRPr lang="fr-FR"/>
           </a:p>
@@ -1370,7 +1370,7 @@
           <a:p>
             <a:fld id="{FE9F5CBA-2310-4621-8080-6224FDBF25B3}" type="datetimeFigureOut">
               <a:rPr lang="fr-FR" smtClean="0"/>
-              <a:t>04/10/2019</a:t>
+              <a:t>11/10/2019</a:t>
             </a:fld>
             <a:endParaRPr lang="fr-FR"/>
           </a:p>
@@ -1756,7 +1756,7 @@
           <a:p>
             <a:fld id="{FE9F5CBA-2310-4621-8080-6224FDBF25B3}" type="datetimeFigureOut">
               <a:rPr lang="fr-FR" smtClean="0"/>
-              <a:t>04/10/2019</a:t>
+              <a:t>11/10/2019</a:t>
             </a:fld>
             <a:endParaRPr lang="fr-FR"/>
           </a:p>
@@ -2195,7 +2195,7 @@
           <a:p>
             <a:fld id="{FE9F5CBA-2310-4621-8080-6224FDBF25B3}" type="datetimeFigureOut">
               <a:rPr lang="fr-FR" smtClean="0"/>
-              <a:t>04/10/2019</a:t>
+              <a:t>11/10/2019</a:t>
             </a:fld>
             <a:endParaRPr lang="fr-FR"/>
           </a:p>
@@ -2318,7 +2318,7 @@
           <a:p>
             <a:fld id="{FE9F5CBA-2310-4621-8080-6224FDBF25B3}" type="datetimeFigureOut">
               <a:rPr lang="fr-FR" smtClean="0"/>
-              <a:t>04/10/2019</a:t>
+              <a:t>11/10/2019</a:t>
             </a:fld>
             <a:endParaRPr lang="fr-FR"/>
           </a:p>
@@ -2413,7 +2413,7 @@
           <a:p>
             <a:fld id="{FE9F5CBA-2310-4621-8080-6224FDBF25B3}" type="datetimeFigureOut">
               <a:rPr lang="fr-FR" smtClean="0"/>
-              <a:t>04/10/2019</a:t>
+              <a:t>11/10/2019</a:t>
             </a:fld>
             <a:endParaRPr lang="fr-FR"/>
           </a:p>
@@ -2763,7 +2763,7 @@
           <a:p>
             <a:fld id="{FE9F5CBA-2310-4621-8080-6224FDBF25B3}" type="datetimeFigureOut">
               <a:rPr lang="fr-FR" smtClean="0"/>
-              <a:t>04/10/2019</a:t>
+              <a:t>11/10/2019</a:t>
             </a:fld>
             <a:endParaRPr lang="fr-FR"/>
           </a:p>
@@ -3193,7 +3193,7 @@
           <a:p>
             <a:fld id="{FE9F5CBA-2310-4621-8080-6224FDBF25B3}" type="datetimeFigureOut">
               <a:rPr lang="fr-FR" smtClean="0"/>
-              <a:t>04/10/2019</a:t>
+              <a:t>11/10/2019</a:t>
             </a:fld>
             <a:endParaRPr lang="fr-FR"/>
           </a:p>
@@ -3474,7 +3474,7 @@
           <a:p>
             <a:fld id="{FE9F5CBA-2310-4621-8080-6224FDBF25B3}" type="datetimeFigureOut">
               <a:rPr lang="fr-FR" smtClean="0"/>
-              <a:t>04/10/2019</a:t>
+              <a:t>11/10/2019</a:t>
             </a:fld>
             <a:endParaRPr lang="fr-FR"/>
           </a:p>
@@ -4227,6 +4227,13 @@
   <p:clrMapOvr>
     <a:masterClrMapping/>
   </p:clrMapOvr>
+  <p:timing>
+    <p:tnLst>
+      <p:par>
+        <p:cTn id="1" dur="indefinite" restart="never" nodeType="tmRoot"/>
+      </p:par>
+    </p:tnLst>
+  </p:timing>
 </p:sld>
 </file>
 
@@ -4320,6 +4327,13 @@
   <p:clrMapOvr>
     <a:masterClrMapping/>
   </p:clrMapOvr>
+  <p:timing>
+    <p:tnLst>
+      <p:par>
+        <p:cTn id="1" dur="indefinite" restart="never" nodeType="tmRoot"/>
+      </p:par>
+    </p:tnLst>
+  </p:timing>
 </p:sld>
 </file>
 
@@ -5128,6 +5142,13 @@
   <p:clrMapOvr>
     <a:masterClrMapping/>
   </p:clrMapOvr>
+  <p:timing>
+    <p:tnLst>
+      <p:par>
+        <p:cTn id="1" dur="indefinite" restart="never" nodeType="tmRoot"/>
+      </p:par>
+    </p:tnLst>
+  </p:timing>
 </p:sld>
 </file>
 
@@ -5288,6 +5309,13 @@
   <p:clrMapOvr>
     <a:masterClrMapping/>
   </p:clrMapOvr>
+  <p:timing>
+    <p:tnLst>
+      <p:par>
+        <p:cTn id="1" dur="indefinite" restart="never" nodeType="tmRoot"/>
+      </p:par>
+    </p:tnLst>
+  </p:timing>
 </p:sld>
 </file>
 
@@ -5454,6 +5482,13 @@
   <p:clrMapOvr>
     <a:masterClrMapping/>
   </p:clrMapOvr>
+  <p:timing>
+    <p:tnLst>
+      <p:par>
+        <p:cTn id="1" dur="indefinite" restart="never" nodeType="tmRoot"/>
+      </p:par>
+    </p:tnLst>
+  </p:timing>
 </p:sld>
 </file>
 
@@ -5892,12 +5927,12 @@
               <a:t>En suite on </a:t>
             </a:r>
             <a:r>
-              <a:rPr lang="fr-FR" dirty="0" err="1" smtClean="0"/>
-              <a:t>execute</a:t>
-            </a:r>
-            <a:r>
               <a:rPr lang="fr-FR" dirty="0" smtClean="0"/>
-              <a:t> la commande Git </a:t>
+              <a:t>exécute </a:t>
+            </a:r>
+            <a:r>
+              <a:rPr lang="fr-FR" dirty="0" smtClean="0"/>
+              <a:t>la commande Git </a:t>
             </a:r>
             <a:r>
               <a:rPr lang="fr-FR" dirty="0" err="1" smtClean="0"/>
@@ -6299,6 +6334,13 @@
   <p:clrMapOvr>
     <a:masterClrMapping/>
   </p:clrMapOvr>
+  <p:timing>
+    <p:tnLst>
+      <p:par>
+        <p:cTn id="1" dur="indefinite" restart="never" nodeType="tmRoot"/>
+      </p:par>
+    </p:tnLst>
+  </p:timing>
 </p:sld>
 </file>
 
@@ -6393,6 +6435,13 @@
   <p:clrMapOvr>
     <a:masterClrMapping/>
   </p:clrMapOvr>
+  <p:timing>
+    <p:tnLst>
+      <p:par>
+        <p:cTn id="1" dur="indefinite" restart="never" nodeType="tmRoot"/>
+      </p:par>
+    </p:tnLst>
+  </p:timing>
 </p:sld>
 </file>
 
@@ -6525,6 +6574,13 @@
   <p:clrMapOvr>
     <a:masterClrMapping/>
   </p:clrMapOvr>
+  <p:timing>
+    <p:tnLst>
+      <p:par>
+        <p:cTn id="1" dur="indefinite" restart="never" nodeType="tmRoot"/>
+      </p:par>
+    </p:tnLst>
+  </p:timing>
 </p:sld>
 </file>
 
